--- a/吉田学園情報ビジネス専門学校_堀合 稀/COIN GETTER/アピールポイント(1シート).pptx
+++ b/吉田学園情報ビジネス専門学校_堀合 稀/COIN GETTER/アピールポイント(1シート).pptx
@@ -197,7 +197,7 @@
           <a:p>
             <a:fld id="{4067169C-8176-4537-B831-CA7A7355FBFA}" type="datetimeFigureOut">
               <a:rPr kumimoji="1" lang="ja-JP" altLang="en-US" smtClean="0"/>
-              <a:t>2020/11/10</a:t>
+              <a:t>2021/1/20</a:t>
             </a:fld>
             <a:endParaRPr kumimoji="1" lang="ja-JP" altLang="en-US"/>
           </a:p>
@@ -744,7 +744,7 @@
           <a:p>
             <a:fld id="{825C861B-D9AF-4FDF-9D38-814E530EDB09}" type="datetimeFigureOut">
               <a:rPr kumimoji="1" lang="ja-JP" altLang="en-US" smtClean="0"/>
-              <a:t>2020/11/10</a:t>
+              <a:t>2021/1/20</a:t>
             </a:fld>
             <a:endParaRPr kumimoji="1" lang="ja-JP" altLang="en-US"/>
           </a:p>
@@ -946,7 +946,7 @@
           <a:p>
             <a:fld id="{825C861B-D9AF-4FDF-9D38-814E530EDB09}" type="datetimeFigureOut">
               <a:rPr kumimoji="1" lang="ja-JP" altLang="en-US" smtClean="0"/>
-              <a:t>2020/11/10</a:t>
+              <a:t>2021/1/20</a:t>
             </a:fld>
             <a:endParaRPr kumimoji="1" lang="ja-JP" altLang="en-US"/>
           </a:p>
@@ -1158,7 +1158,7 @@
           <a:p>
             <a:fld id="{825C861B-D9AF-4FDF-9D38-814E530EDB09}" type="datetimeFigureOut">
               <a:rPr kumimoji="1" lang="ja-JP" altLang="en-US" smtClean="0"/>
-              <a:t>2020/11/10</a:t>
+              <a:t>2021/1/20</a:t>
             </a:fld>
             <a:endParaRPr kumimoji="1" lang="ja-JP" altLang="en-US"/>
           </a:p>
@@ -1360,7 +1360,7 @@
           <a:p>
             <a:fld id="{825C861B-D9AF-4FDF-9D38-814E530EDB09}" type="datetimeFigureOut">
               <a:rPr kumimoji="1" lang="ja-JP" altLang="en-US" smtClean="0"/>
-              <a:t>2020/11/10</a:t>
+              <a:t>2021/1/20</a:t>
             </a:fld>
             <a:endParaRPr kumimoji="1" lang="ja-JP" altLang="en-US"/>
           </a:p>
@@ -1628,7 +1628,7 @@
           <a:p>
             <a:fld id="{825C861B-D9AF-4FDF-9D38-814E530EDB09}" type="datetimeFigureOut">
               <a:rPr kumimoji="1" lang="ja-JP" altLang="en-US" smtClean="0"/>
-              <a:t>2020/11/10</a:t>
+              <a:t>2021/1/20</a:t>
             </a:fld>
             <a:endParaRPr kumimoji="1" lang="ja-JP" altLang="en-US"/>
           </a:p>
@@ -1924,7 +1924,7 @@
           <a:p>
             <a:fld id="{825C861B-D9AF-4FDF-9D38-814E530EDB09}" type="datetimeFigureOut">
               <a:rPr kumimoji="1" lang="ja-JP" altLang="en-US" smtClean="0"/>
-              <a:t>2020/11/10</a:t>
+              <a:t>2021/1/20</a:t>
             </a:fld>
             <a:endParaRPr kumimoji="1" lang="ja-JP" altLang="en-US"/>
           </a:p>
@@ -2343,7 +2343,7 @@
           <a:p>
             <a:fld id="{825C861B-D9AF-4FDF-9D38-814E530EDB09}" type="datetimeFigureOut">
               <a:rPr kumimoji="1" lang="ja-JP" altLang="en-US" smtClean="0"/>
-              <a:t>2020/11/10</a:t>
+              <a:t>2021/1/20</a:t>
             </a:fld>
             <a:endParaRPr kumimoji="1" lang="ja-JP" altLang="en-US"/>
           </a:p>
@@ -2484,7 +2484,7 @@
           <a:p>
             <a:fld id="{825C861B-D9AF-4FDF-9D38-814E530EDB09}" type="datetimeFigureOut">
               <a:rPr kumimoji="1" lang="ja-JP" altLang="en-US" smtClean="0"/>
-              <a:t>2020/11/10</a:t>
+              <a:t>2021/1/20</a:t>
             </a:fld>
             <a:endParaRPr kumimoji="1" lang="ja-JP" altLang="en-US"/>
           </a:p>
@@ -2579,7 +2579,7 @@
           <a:p>
             <a:fld id="{825C861B-D9AF-4FDF-9D38-814E530EDB09}" type="datetimeFigureOut">
               <a:rPr kumimoji="1" lang="ja-JP" altLang="en-US" smtClean="0"/>
-              <a:t>2020/11/10</a:t>
+              <a:t>2021/1/20</a:t>
             </a:fld>
             <a:endParaRPr kumimoji="1" lang="ja-JP" altLang="en-US"/>
           </a:p>
@@ -2968,7 +2968,7 @@
           <a:p>
             <a:fld id="{825C861B-D9AF-4FDF-9D38-814E530EDB09}" type="datetimeFigureOut">
               <a:rPr kumimoji="1" lang="ja-JP" altLang="en-US" smtClean="0"/>
-              <a:t>2020/11/10</a:t>
+              <a:t>2021/1/20</a:t>
             </a:fld>
             <a:endParaRPr kumimoji="1" lang="ja-JP" altLang="en-US"/>
           </a:p>
@@ -3322,7 +3322,7 @@
           <a:p>
             <a:fld id="{825C861B-D9AF-4FDF-9D38-814E530EDB09}" type="datetimeFigureOut">
               <a:rPr kumimoji="1" lang="ja-JP" altLang="en-US" smtClean="0"/>
-              <a:t>2020/11/10</a:t>
+              <a:t>2021/1/20</a:t>
             </a:fld>
             <a:endParaRPr kumimoji="1" lang="ja-JP" altLang="en-US"/>
           </a:p>
@@ -3563,7 +3563,7 @@
           <a:p>
             <a:fld id="{825C861B-D9AF-4FDF-9D38-814E530EDB09}" type="datetimeFigureOut">
               <a:rPr kumimoji="1" lang="ja-JP" altLang="en-US" smtClean="0"/>
-              <a:t>2020/11/10</a:t>
+              <a:t>2021/1/20</a:t>
             </a:fld>
             <a:endParaRPr kumimoji="1" lang="ja-JP" altLang="en-US"/>
           </a:p>
@@ -4350,7 +4350,7 @@
         </p:nvSpPr>
         <p:spPr>
           <a:xfrm>
-            <a:off x="8069411" y="2327488"/>
+            <a:off x="7831417" y="4005357"/>
             <a:ext cx="5126636" cy="954107"/>
           </a:xfrm>
           <a:prstGeom prst="rect">
@@ -4577,7 +4577,7 @@
         <p:spPr>
           <a:xfrm>
             <a:off x="0" y="1409624"/>
-            <a:ext cx="4609578" cy="523220"/>
+            <a:ext cx="6693110" cy="523220"/>
           </a:xfrm>
           <a:prstGeom prst="rect">
             <a:avLst/>
@@ -4604,8 +4604,13 @@
             </a:r>
             <a:r>
               <a:rPr lang="en-US" altLang="ja-JP" sz="2800" dirty="0" smtClean="0"/>
-              <a:t>visual studio 2015</a:t>
-            </a:r>
+              <a:t>visual studio </a:t>
+            </a:r>
+            <a:r>
+              <a:rPr lang="en-US" altLang="ja-JP" sz="2800" dirty="0" smtClean="0"/>
+              <a:t>2015(DirectX)</a:t>
+            </a:r>
+            <a:endParaRPr lang="en-US" altLang="ja-JP" sz="2800" dirty="0" smtClean="0"/>
           </a:p>
         </p:txBody>
       </p:sp>
